--- a/Báo cáo tiến độ đợt 2/báo cáo tiến độ.pptx
+++ b/Báo cáo tiến độ đợt 2/báo cáo tiến độ.pptx
@@ -214,7 +214,7 @@
           <a:p>
             <a:fld id="{CE46906C-200A-4898-9CB4-F3AE1AC0479A}" type="datetimeFigureOut">
               <a:rPr lang="en-US" smtClean="0"/>
-              <a:t>4/8/2019</a:t>
+              <a:t>4/9/2019</a:t>
             </a:fld>
             <a:endParaRPr lang="en-US"/>
           </a:p>
@@ -1238,7 +1238,7 @@
           <a:p>
             <a:fld id="{F0DFD029-FB74-4578-B929-F66AA97659CA}" type="datetimeFigureOut">
               <a:rPr lang="en-US"/>
-              <a:t>4/8/2019</a:t>
+              <a:t>4/9/2019</a:t>
             </a:fld>
             <a:endParaRPr/>
           </a:p>
@@ -1443,7 +1443,7 @@
           <a:p>
             <a:fld id="{F0DFD029-FB74-4578-B929-F66AA97659CA}" type="datetimeFigureOut">
               <a:rPr lang="en-US"/>
-              <a:t>4/8/2019</a:t>
+              <a:t>4/9/2019</a:t>
             </a:fld>
             <a:endParaRPr/>
           </a:p>
@@ -1658,7 +1658,7 @@
           <a:p>
             <a:fld id="{F0DFD029-FB74-4578-B929-F66AA97659CA}" type="datetimeFigureOut">
               <a:rPr lang="en-US"/>
-              <a:t>4/8/2019</a:t>
+              <a:t>4/9/2019</a:t>
             </a:fld>
             <a:endParaRPr/>
           </a:p>
@@ -1863,7 +1863,7 @@
           <a:p>
             <a:fld id="{F0DFD029-FB74-4578-B929-F66AA97659CA}" type="datetimeFigureOut">
               <a:rPr lang="en-US"/>
-              <a:t>4/8/2019</a:t>
+              <a:t>4/9/2019</a:t>
             </a:fld>
             <a:endParaRPr/>
           </a:p>
@@ -2133,7 +2133,7 @@
           <a:p>
             <a:fld id="{F0DFD029-FB74-4578-B929-F66AA97659CA}" type="datetimeFigureOut">
               <a:rPr lang="en-US"/>
-              <a:t>4/8/2019</a:t>
+              <a:t>4/9/2019</a:t>
             </a:fld>
             <a:endParaRPr/>
           </a:p>
@@ -2613,7 +2613,7 @@
           <a:p>
             <a:fld id="{F0DFD029-FB74-4578-B929-F66AA97659CA}" type="datetimeFigureOut">
               <a:rPr lang="en-US"/>
-              <a:t>4/8/2019</a:t>
+              <a:t>4/9/2019</a:t>
             </a:fld>
             <a:endParaRPr/>
           </a:p>
@@ -3076,7 +3076,7 @@
           <a:p>
             <a:fld id="{F0DFD029-FB74-4578-B929-F66AA97659CA}" type="datetimeFigureOut">
               <a:rPr lang="en-US"/>
-              <a:t>4/8/2019</a:t>
+              <a:t>4/9/2019</a:t>
             </a:fld>
             <a:endParaRPr/>
           </a:p>
@@ -3213,7 +3213,7 @@
           <a:p>
             <a:fld id="{F0DFD029-FB74-4578-B929-F66AA97659CA}" type="datetimeFigureOut">
               <a:rPr lang="en-US"/>
-              <a:t>4/8/2019</a:t>
+              <a:t>4/9/2019</a:t>
             </a:fld>
             <a:endParaRPr/>
           </a:p>
@@ -3327,7 +3327,7 @@
           <a:p>
             <a:fld id="{F0DFD029-FB74-4578-B929-F66AA97659CA}" type="datetimeFigureOut">
               <a:rPr lang="en-US"/>
-              <a:t>4/8/2019</a:t>
+              <a:t>4/9/2019</a:t>
             </a:fld>
             <a:endParaRPr/>
           </a:p>
@@ -3633,7 +3633,7 @@
           <a:p>
             <a:fld id="{F0DFD029-FB74-4578-B929-F66AA97659CA}" type="datetimeFigureOut">
               <a:rPr lang="en-US"/>
-              <a:t>4/8/2019</a:t>
+              <a:t>4/9/2019</a:t>
             </a:fld>
             <a:endParaRPr/>
           </a:p>
@@ -3928,7 +3928,7 @@
           <a:p>
             <a:fld id="{F0DFD029-FB74-4578-B929-F66AA97659CA}" type="datetimeFigureOut">
               <a:rPr lang="en-US"/>
-              <a:t>4/8/2019</a:t>
+              <a:t>4/9/2019</a:t>
             </a:fld>
             <a:endParaRPr/>
           </a:p>
@@ -4535,7 +4535,7 @@
             <a:fld id="{F0DFD029-FB74-4578-B929-F66AA97659CA}" type="datetimeFigureOut">
               <a:rPr lang="en-US"/>
               <a:pPr/>
-              <a:t>4/8/2019</a:t>
+              <a:t>4/9/2019</a:t>
             </a:fld>
             <a:endParaRPr/>
           </a:p>
@@ -5057,19 +5057,7 @@
                 <a:ea typeface="Tahoma" panose="020B0604030504040204" pitchFamily="34" charset="0"/>
                 <a:cs typeface="Tahoma" panose="020B0604030504040204" pitchFamily="34" charset="0"/>
               </a:rPr>
-              <a:t>ĐỢT </a:t>
-            </a:r>
-            <a:r>
-              <a:rPr lang="en-US" sz="4400" b="1" smtClean="0">
-                <a:solidFill>
-                  <a:schemeClr val="accent1">
-                    <a:lumMod val="50000"/>
-                  </a:schemeClr>
-                </a:solidFill>
-                <a:ea typeface="Tahoma" panose="020B0604030504040204" pitchFamily="34" charset="0"/>
-                <a:cs typeface="Tahoma" panose="020B0604030504040204" pitchFamily="34" charset="0"/>
-              </a:rPr>
-              <a:t>2</a:t>
+              <a:t>ĐỢT 2</a:t>
             </a:r>
             <a:endParaRPr lang="en-US" sz="4400" dirty="0">
               <a:solidFill>
